--- a/material/주제 단면도.pptx
+++ b/material/주제 단면도.pptx
@@ -5,10 +5,11 @@
     <p:sldMasterId id="2147483648" r:id="rId1"/>
   </p:sldMasterIdLst>
   <p:notesMasterIdLst>
-    <p:notesMasterId r:id="rId3"/>
+    <p:notesMasterId r:id="rId4"/>
   </p:notesMasterIdLst>
   <p:sldIdLst>
     <p:sldId id="256" r:id="rId2"/>
+    <p:sldId id="257" r:id="rId3"/>
   </p:sldIdLst>
   <p:sldSz cx="12192000" cy="6858000"/>
   <p:notesSz cx="6858000" cy="9144000"/>
@@ -107,6 +108,11 @@
       </a:defRPr>
     </a:lvl9pPr>
   </p:defaultTextStyle>
+  <p:extLst>
+    <p:ext uri="{EFAFB233-063F-42B5-8137-9DF3F51BA10A}">
+      <p15:sldGuideLst xmlns:p15="http://schemas.microsoft.com/office/powerpoint/2012/main"/>
+    </p:ext>
+  </p:extLst>
 </p:presentation>
 </file>
 
@@ -534,6 +540,90 @@
     <p:extLst>
       <p:ext uri="{BB962C8B-B14F-4D97-AF65-F5344CB8AC3E}">
         <p14:creationId xmlns:p14="http://schemas.microsoft.com/office/powerpoint/2010/main" val="2968789530"/>
+      </p:ext>
+    </p:extLst>
+  </p:cSld>
+  <p:clrMapOvr>
+    <a:masterClrMapping/>
+  </p:clrMapOvr>
+</p:notes>
+</file>
+
+<file path=ppt/notesSlides/notesSlide2.xml><?xml version="1.0" encoding="utf-8"?>
+<p:notes xmlns:a="http://schemas.openxmlformats.org/drawingml/2006/main" xmlns:r="http://schemas.openxmlformats.org/officeDocument/2006/relationships" xmlns:p="http://schemas.openxmlformats.org/presentationml/2006/main">
+  <p:cSld>
+    <p:spTree>
+      <p:nvGrpSpPr>
+        <p:cNvPr id="1" name=""/>
+        <p:cNvGrpSpPr/>
+        <p:nvPr/>
+      </p:nvGrpSpPr>
+      <p:grpSpPr>
+        <a:xfrm>
+          <a:off x="0" y="0"/>
+          <a:ext cx="0" cy="0"/>
+          <a:chOff x="0" y="0"/>
+          <a:chExt cx="0" cy="0"/>
+        </a:xfrm>
+      </p:grpSpPr>
+      <p:sp>
+        <p:nvSpPr>
+          <p:cNvPr id="2" name="슬라이드 이미지 개체 틀 1"/>
+          <p:cNvSpPr>
+            <a:spLocks noGrp="1" noRot="1" noChangeAspect="1"/>
+          </p:cNvSpPr>
+          <p:nvPr>
+            <p:ph type="sldImg"/>
+          </p:nvPr>
+        </p:nvSpPr>
+        <p:spPr/>
+      </p:sp>
+      <p:sp>
+        <p:nvSpPr>
+          <p:cNvPr id="3" name="슬라이드 노트 개체 틀 2"/>
+          <p:cNvSpPr>
+            <a:spLocks noGrp="1"/>
+          </p:cNvSpPr>
+          <p:nvPr>
+            <p:ph type="body" idx="1"/>
+          </p:nvPr>
+        </p:nvSpPr>
+        <p:spPr/>
+        <p:txBody>
+          <a:bodyPr/>
+          <a:lstStyle/>
+          <a:p>
+            <a:endParaRPr lang="ko-KR" altLang="en-US" dirty="0"/>
+          </a:p>
+        </p:txBody>
+      </p:sp>
+      <p:sp>
+        <p:nvSpPr>
+          <p:cNvPr id="4" name="슬라이드 번호 개체 틀 3"/>
+          <p:cNvSpPr>
+            <a:spLocks noGrp="1"/>
+          </p:cNvSpPr>
+          <p:nvPr>
+            <p:ph type="sldNum" sz="quarter" idx="5"/>
+          </p:nvPr>
+        </p:nvSpPr>
+        <p:spPr/>
+        <p:txBody>
+          <a:bodyPr/>
+          <a:lstStyle/>
+          <a:p>
+            <a:fld id="{8593613D-2A62-417F-B7B8-858B15E9114F}" type="slidenum">
+              <a:rPr lang="ko-KR" altLang="en-US" smtClean="0"/>
+              <a:t>2</a:t>
+            </a:fld>
+            <a:endParaRPr lang="ko-KR" altLang="en-US"/>
+          </a:p>
+        </p:txBody>
+      </p:sp>
+    </p:spTree>
+    <p:extLst>
+      <p:ext uri="{BB962C8B-B14F-4D97-AF65-F5344CB8AC3E}">
+        <p14:creationId xmlns:p14="http://schemas.microsoft.com/office/powerpoint/2010/main" val="305964412"/>
       </p:ext>
     </p:extLst>
   </p:cSld>
@@ -3965,24 +4055,21 @@
             <a:pPr algn="ctr"/>
             <a:r>
               <a:rPr lang="ko-KR" altLang="en-US" sz="3600" spc="300" dirty="0"/>
-              <a:t>주제</a:t>
+              <a:t>서비스</a:t>
             </a:r>
             <a:r>
               <a:rPr lang="en-US" altLang="ko-KR" sz="3600" spc="300" dirty="0"/>
-              <a:t>(</a:t>
+              <a:t> </a:t>
             </a:r>
             <a:r>
               <a:rPr lang="ko-KR" altLang="en-US" sz="3600" spc="300" dirty="0"/>
-              <a:t>서비스</a:t>
+              <a:t>단면도 </a:t>
             </a:r>
             <a:r>
               <a:rPr lang="en-US" altLang="ko-KR" sz="3600" spc="300" dirty="0"/>
-              <a:t>) </a:t>
-            </a:r>
-            <a:r>
-              <a:rPr lang="ko-KR" altLang="en-US" sz="3600" spc="300" dirty="0"/>
-              <a:t>단면도</a:t>
-            </a:r>
+              <a:t>(1/2)</a:t>
+            </a:r>
+            <a:endParaRPr lang="ko-KR" altLang="en-US" sz="3600" spc="300" dirty="0"/>
           </a:p>
         </p:txBody>
       </p:sp>
@@ -4563,10 +4650,857 @@
           </a:extLst>
         </p:spPr>
       </p:pic>
+      <p:pic>
+        <p:nvPicPr>
+          <p:cNvPr id="3" name="그림 2">
+            <a:extLst>
+              <a:ext uri="{FF2B5EF4-FFF2-40B4-BE49-F238E27FC236}">
+                <a16:creationId xmlns:a16="http://schemas.microsoft.com/office/drawing/2014/main" id="{C453E487-9A67-173D-DCE1-C3B0560A3E26}"/>
+              </a:ext>
+            </a:extLst>
+          </p:cNvPr>
+          <p:cNvPicPr>
+            <a:picLocks noChangeAspect="1"/>
+          </p:cNvPicPr>
+          <p:nvPr/>
+        </p:nvPicPr>
+        <p:blipFill>
+          <a:blip r:embed="rId10">
+            <a:alphaModFix amt="80000"/>
+          </a:blip>
+          <a:stretch>
+            <a:fillRect/>
+          </a:stretch>
+        </p:blipFill>
+        <p:spPr>
+          <a:xfrm>
+            <a:off x="8416571" y="3324832"/>
+            <a:ext cx="1602251" cy="1812944"/>
+          </a:xfrm>
+          <a:prstGeom prst="rect">
+            <a:avLst/>
+          </a:prstGeom>
+        </p:spPr>
+      </p:pic>
+      <p:pic>
+        <p:nvPicPr>
+          <p:cNvPr id="9" name="그림 8">
+            <a:extLst>
+              <a:ext uri="{FF2B5EF4-FFF2-40B4-BE49-F238E27FC236}">
+                <a16:creationId xmlns:a16="http://schemas.microsoft.com/office/drawing/2014/main" id="{63E6BEA8-B7B9-3F18-632F-7EEBCF13DFE6}"/>
+              </a:ext>
+            </a:extLst>
+          </p:cNvPr>
+          <p:cNvPicPr>
+            <a:picLocks noChangeAspect="1"/>
+          </p:cNvPicPr>
+          <p:nvPr/>
+        </p:nvPicPr>
+        <p:blipFill>
+          <a:blip r:embed="rId11">
+            <a:alphaModFix amt="80000"/>
+          </a:blip>
+          <a:stretch>
+            <a:fillRect/>
+          </a:stretch>
+        </p:blipFill>
+        <p:spPr>
+          <a:xfrm>
+            <a:off x="9594273" y="3524749"/>
+            <a:ext cx="1910388" cy="1710666"/>
+          </a:xfrm>
+          <a:prstGeom prst="rect">
+            <a:avLst/>
+          </a:prstGeom>
+        </p:spPr>
+      </p:pic>
     </p:spTree>
     <p:extLst>
       <p:ext uri="{BB962C8B-B14F-4D97-AF65-F5344CB8AC3E}">
         <p14:creationId xmlns:p14="http://schemas.microsoft.com/office/powerpoint/2010/main" val="3143387565"/>
+      </p:ext>
+    </p:extLst>
+  </p:cSld>
+  <p:clrMapOvr>
+    <a:masterClrMapping/>
+  </p:clrMapOvr>
+</p:sld>
+</file>
+
+<file path=ppt/slides/slide2.xml><?xml version="1.0" encoding="utf-8"?>
+<p:sld xmlns:a="http://schemas.openxmlformats.org/drawingml/2006/main" xmlns:r="http://schemas.openxmlformats.org/officeDocument/2006/relationships" xmlns:p="http://schemas.openxmlformats.org/presentationml/2006/main">
+  <p:cSld>
+    <p:spTree>
+      <p:nvGrpSpPr>
+        <p:cNvPr id="1" name=""/>
+        <p:cNvGrpSpPr/>
+        <p:nvPr/>
+      </p:nvGrpSpPr>
+      <p:grpSpPr>
+        <a:xfrm>
+          <a:off x="0" y="0"/>
+          <a:ext cx="0" cy="0"/>
+          <a:chOff x="0" y="0"/>
+          <a:chExt cx="0" cy="0"/>
+        </a:xfrm>
+      </p:grpSpPr>
+      <p:sp>
+        <p:nvSpPr>
+          <p:cNvPr id="20" name="화살표: 오른쪽 19">
+            <a:extLst>
+              <a:ext uri="{FF2B5EF4-FFF2-40B4-BE49-F238E27FC236}">
+                <a16:creationId xmlns:a16="http://schemas.microsoft.com/office/drawing/2014/main" id="{F1089FC3-9AAE-137D-4226-AC6D3FDE0216}"/>
+              </a:ext>
+            </a:extLst>
+          </p:cNvPr>
+          <p:cNvSpPr/>
+          <p:nvPr/>
+        </p:nvSpPr>
+        <p:spPr>
+          <a:xfrm>
+            <a:off x="-17820" y="3430610"/>
+            <a:ext cx="12209820" cy="2507343"/>
+          </a:xfrm>
+          <a:prstGeom prst="rightArrow">
+            <a:avLst/>
+          </a:prstGeom>
+          <a:solidFill>
+            <a:schemeClr val="accent1">
+              <a:alpha val="20000"/>
+            </a:schemeClr>
+          </a:solidFill>
+          <a:ln>
+            <a:noFill/>
+          </a:ln>
+        </p:spPr>
+        <p:style>
+          <a:lnRef idx="2">
+            <a:schemeClr val="accent1">
+              <a:shade val="50000"/>
+            </a:schemeClr>
+          </a:lnRef>
+          <a:fillRef idx="1">
+            <a:schemeClr val="accent1"/>
+          </a:fillRef>
+          <a:effectRef idx="0">
+            <a:schemeClr val="accent1"/>
+          </a:effectRef>
+          <a:fontRef idx="minor">
+            <a:schemeClr val="lt1"/>
+          </a:fontRef>
+        </p:style>
+        <p:txBody>
+          <a:bodyPr rtlCol="0" anchor="ctr"/>
+          <a:lstStyle/>
+          <a:p>
+            <a:pPr algn="ctr"/>
+            <a:endParaRPr lang="ko-KR" altLang="en-US"/>
+          </a:p>
+        </p:txBody>
+      </p:sp>
+      <p:sp>
+        <p:nvSpPr>
+          <p:cNvPr id="4" name="직사각형 3">
+            <a:extLst>
+              <a:ext uri="{FF2B5EF4-FFF2-40B4-BE49-F238E27FC236}">
+                <a16:creationId xmlns:a16="http://schemas.microsoft.com/office/drawing/2014/main" id="{BEDBF2FC-4505-838C-2035-201373B22923}"/>
+              </a:ext>
+            </a:extLst>
+          </p:cNvPr>
+          <p:cNvSpPr/>
+          <p:nvPr/>
+        </p:nvSpPr>
+        <p:spPr>
+          <a:xfrm>
+            <a:off x="471055" y="267855"/>
+            <a:ext cx="11185236" cy="969818"/>
+          </a:xfrm>
+          <a:prstGeom prst="rect">
+            <a:avLst/>
+          </a:prstGeom>
+          <a:gradFill>
+            <a:gsLst>
+              <a:gs pos="0">
+                <a:schemeClr val="tx1">
+                  <a:lumMod val="50000"/>
+                  <a:lumOff val="50000"/>
+                  <a:alpha val="50000"/>
+                </a:schemeClr>
+              </a:gs>
+              <a:gs pos="100000">
+                <a:schemeClr val="tx1">
+                  <a:lumMod val="50000"/>
+                  <a:lumOff val="50000"/>
+                </a:schemeClr>
+              </a:gs>
+            </a:gsLst>
+            <a:lin ang="5400000" scaled="1"/>
+          </a:gradFill>
+          <a:ln>
+            <a:solidFill>
+              <a:schemeClr val="tx1"/>
+            </a:solidFill>
+          </a:ln>
+        </p:spPr>
+        <p:style>
+          <a:lnRef idx="2">
+            <a:schemeClr val="accent1">
+              <a:shade val="50000"/>
+            </a:schemeClr>
+          </a:lnRef>
+          <a:fillRef idx="1">
+            <a:schemeClr val="accent1"/>
+          </a:fillRef>
+          <a:effectRef idx="0">
+            <a:schemeClr val="accent1"/>
+          </a:effectRef>
+          <a:fontRef idx="minor">
+            <a:schemeClr val="lt1"/>
+          </a:fontRef>
+        </p:style>
+        <p:txBody>
+          <a:bodyPr rtlCol="0" anchor="ctr"/>
+          <a:lstStyle/>
+          <a:p>
+            <a:pPr algn="ctr"/>
+            <a:r>
+              <a:rPr lang="ko-KR" altLang="en-US" sz="3600" spc="300" dirty="0"/>
+              <a:t>서비스</a:t>
+            </a:r>
+            <a:r>
+              <a:rPr lang="en-US" altLang="ko-KR" sz="3600" spc="300" dirty="0"/>
+              <a:t> </a:t>
+            </a:r>
+            <a:r>
+              <a:rPr lang="ko-KR" altLang="en-US" sz="3600" spc="300" dirty="0"/>
+              <a:t>단면도 </a:t>
+            </a:r>
+            <a:r>
+              <a:rPr lang="en-US" altLang="ko-KR" sz="3600" spc="300" dirty="0"/>
+              <a:t>(2/2)</a:t>
+            </a:r>
+            <a:endParaRPr lang="ko-KR" altLang="en-US" sz="3600" spc="300" dirty="0"/>
+          </a:p>
+        </p:txBody>
+      </p:sp>
+      <p:sp>
+        <p:nvSpPr>
+          <p:cNvPr id="8" name="사각형: 둥근 모서리 7">
+            <a:extLst>
+              <a:ext uri="{FF2B5EF4-FFF2-40B4-BE49-F238E27FC236}">
+                <a16:creationId xmlns:a16="http://schemas.microsoft.com/office/drawing/2014/main" id="{DE1601A8-CBAB-BF59-C30B-3E954E7A2B82}"/>
+              </a:ext>
+            </a:extLst>
+          </p:cNvPr>
+          <p:cNvSpPr/>
+          <p:nvPr/>
+        </p:nvSpPr>
+        <p:spPr>
+          <a:xfrm>
+            <a:off x="4359564" y="2539999"/>
+            <a:ext cx="6862618" cy="1865745"/>
+          </a:xfrm>
+          <a:prstGeom prst="roundRect">
+            <a:avLst/>
+          </a:prstGeom>
+          <a:solidFill>
+            <a:schemeClr val="bg1">
+              <a:lumMod val="75000"/>
+              <a:alpha val="50000"/>
+            </a:schemeClr>
+          </a:solidFill>
+          <a:ln w="31750">
+            <a:solidFill>
+              <a:schemeClr val="tx1">
+                <a:alpha val="40000"/>
+              </a:schemeClr>
+            </a:solidFill>
+          </a:ln>
+        </p:spPr>
+        <p:style>
+          <a:lnRef idx="2">
+            <a:schemeClr val="accent1">
+              <a:shade val="50000"/>
+            </a:schemeClr>
+          </a:lnRef>
+          <a:fillRef idx="1">
+            <a:schemeClr val="accent1"/>
+          </a:fillRef>
+          <a:effectRef idx="0">
+            <a:schemeClr val="accent1"/>
+          </a:effectRef>
+          <a:fontRef idx="minor">
+            <a:schemeClr val="lt1"/>
+          </a:fontRef>
+        </p:style>
+        <p:txBody>
+          <a:bodyPr rtlCol="0" anchor="t"/>
+          <a:lstStyle/>
+          <a:p>
+            <a:r>
+              <a:rPr lang="en-US" altLang="ko-KR" b="1" spc="600" dirty="0">
+                <a:solidFill>
+                  <a:schemeClr val="tx1"/>
+                </a:solidFill>
+              </a:rPr>
+              <a:t>[front : </a:t>
+            </a:r>
+            <a:r>
+              <a:rPr lang="ko-KR" altLang="en-US" b="1" spc="600" dirty="0">
+                <a:solidFill>
+                  <a:schemeClr val="tx1"/>
+                </a:solidFill>
+              </a:rPr>
+              <a:t>해당 문제의 </a:t>
+            </a:r>
+            <a:endParaRPr lang="en-US" altLang="ko-KR" b="1" spc="600" dirty="0">
+              <a:solidFill>
+                <a:schemeClr val="tx1"/>
+              </a:solidFill>
+            </a:endParaRPr>
+          </a:p>
+          <a:p>
+            <a:r>
+              <a:rPr lang="ko-KR" altLang="en-US" b="1" spc="600" dirty="0">
+                <a:solidFill>
+                  <a:schemeClr val="tx1"/>
+                </a:solidFill>
+              </a:rPr>
+              <a:t>해설 자료 공개</a:t>
+            </a:r>
+            <a:r>
+              <a:rPr lang="en-US" altLang="ko-KR" b="1" spc="600" dirty="0">
+                <a:solidFill>
+                  <a:schemeClr val="tx1"/>
+                </a:solidFill>
+              </a:rPr>
+              <a:t>]</a:t>
+            </a:r>
+          </a:p>
+          <a:p>
+            <a:endParaRPr lang="ko-KR" altLang="en-US" b="1" spc="600" dirty="0">
+              <a:solidFill>
+                <a:schemeClr val="tx1"/>
+              </a:solidFill>
+            </a:endParaRPr>
+          </a:p>
+        </p:txBody>
+      </p:sp>
+      <p:sp>
+        <p:nvSpPr>
+          <p:cNvPr id="19" name="사각형: 둥근 모서리 18">
+            <a:extLst>
+              <a:ext uri="{FF2B5EF4-FFF2-40B4-BE49-F238E27FC236}">
+                <a16:creationId xmlns:a16="http://schemas.microsoft.com/office/drawing/2014/main" id="{EDF688C5-5CD5-3D27-1C3B-B025EB3749CA}"/>
+              </a:ext>
+            </a:extLst>
+          </p:cNvPr>
+          <p:cNvSpPr/>
+          <p:nvPr/>
+        </p:nvSpPr>
+        <p:spPr>
+          <a:xfrm>
+            <a:off x="471055" y="2540000"/>
+            <a:ext cx="3472872" cy="4132334"/>
+          </a:xfrm>
+          <a:prstGeom prst="roundRect">
+            <a:avLst/>
+          </a:prstGeom>
+          <a:solidFill>
+            <a:schemeClr val="accent6">
+              <a:lumMod val="60000"/>
+              <a:lumOff val="40000"/>
+              <a:alpha val="50000"/>
+            </a:schemeClr>
+          </a:solidFill>
+          <a:ln w="31750">
+            <a:solidFill>
+              <a:schemeClr val="tx1">
+                <a:alpha val="40000"/>
+              </a:schemeClr>
+            </a:solidFill>
+          </a:ln>
+        </p:spPr>
+        <p:style>
+          <a:lnRef idx="2">
+            <a:schemeClr val="accent1">
+              <a:shade val="50000"/>
+            </a:schemeClr>
+          </a:lnRef>
+          <a:fillRef idx="1">
+            <a:schemeClr val="accent1"/>
+          </a:fillRef>
+          <a:effectRef idx="0">
+            <a:schemeClr val="accent1"/>
+          </a:effectRef>
+          <a:fontRef idx="minor">
+            <a:schemeClr val="lt1"/>
+          </a:fontRef>
+        </p:style>
+        <p:txBody>
+          <a:bodyPr rtlCol="0" anchor="t"/>
+          <a:lstStyle/>
+          <a:p>
+            <a:r>
+              <a:rPr lang="en-US" altLang="ko-KR" b="1" spc="600" dirty="0">
+                <a:solidFill>
+                  <a:schemeClr val="tx1"/>
+                </a:solidFill>
+              </a:rPr>
+              <a:t>[</a:t>
+            </a:r>
+            <a:r>
+              <a:rPr lang="ko-KR" altLang="en-US" b="1" spc="600" dirty="0">
+                <a:solidFill>
+                  <a:schemeClr val="tx1"/>
+                </a:solidFill>
+              </a:rPr>
+              <a:t>서버 </a:t>
+            </a:r>
+            <a:r>
+              <a:rPr lang="en-US" altLang="ko-KR" b="1" spc="600" dirty="0">
+                <a:solidFill>
+                  <a:schemeClr val="tx1"/>
+                </a:solidFill>
+              </a:rPr>
+              <a:t>: data</a:t>
+            </a:r>
+            <a:r>
+              <a:rPr lang="ko-KR" altLang="en-US" b="1" spc="600" dirty="0">
+                <a:solidFill>
+                  <a:schemeClr val="tx1"/>
+                </a:solidFill>
+              </a:rPr>
+              <a:t> 비교</a:t>
+            </a:r>
+            <a:r>
+              <a:rPr lang="en-US" altLang="ko-KR" b="1" spc="600" dirty="0">
+                <a:solidFill>
+                  <a:schemeClr val="tx1"/>
+                </a:solidFill>
+              </a:rPr>
+              <a:t>]</a:t>
+            </a:r>
+          </a:p>
+          <a:p>
+            <a:endParaRPr lang="en-US" altLang="ko-KR" b="1" spc="600" dirty="0">
+              <a:solidFill>
+                <a:schemeClr val="tx1"/>
+              </a:solidFill>
+            </a:endParaRPr>
+          </a:p>
+          <a:p>
+            <a:endParaRPr lang="en-US" altLang="ko-KR" b="1" spc="600" dirty="0">
+              <a:solidFill>
+                <a:schemeClr val="tx1"/>
+              </a:solidFill>
+            </a:endParaRPr>
+          </a:p>
+          <a:p>
+            <a:pPr>
+              <a:lnSpc>
+                <a:spcPct val="150000"/>
+              </a:lnSpc>
+            </a:pPr>
+            <a:r>
+              <a:rPr lang="ko-KR" altLang="en-US" b="1" spc="300" dirty="0">
+                <a:solidFill>
+                  <a:schemeClr val="tx1"/>
+                </a:solidFill>
+              </a:rPr>
+              <a:t>주어진 문제의 해설이 있는가</a:t>
+            </a:r>
+            <a:r>
+              <a:rPr lang="en-US" altLang="ko-KR" b="1" spc="300" dirty="0">
+                <a:solidFill>
+                  <a:schemeClr val="tx1"/>
+                </a:solidFill>
+              </a:rPr>
+              <a:t>?</a:t>
+            </a:r>
+          </a:p>
+          <a:p>
+            <a:endParaRPr lang="ko-KR" altLang="en-US" b="1" spc="600" dirty="0">
+              <a:solidFill>
+                <a:schemeClr val="tx1"/>
+              </a:solidFill>
+            </a:endParaRPr>
+          </a:p>
+        </p:txBody>
+      </p:sp>
+      <p:pic>
+        <p:nvPicPr>
+          <p:cNvPr id="1038" name="Picture 14" descr="서버 - 무료 과학 기술개 아이콘">
+            <a:extLst>
+              <a:ext uri="{FF2B5EF4-FFF2-40B4-BE49-F238E27FC236}">
+                <a16:creationId xmlns:a16="http://schemas.microsoft.com/office/drawing/2014/main" id="{587FF496-CED6-BA66-81BB-478A7D678C00}"/>
+              </a:ext>
+            </a:extLst>
+          </p:cNvPr>
+          <p:cNvPicPr>
+            <a:picLocks noChangeAspect="1" noChangeArrowheads="1"/>
+          </p:cNvPicPr>
+          <p:nvPr/>
+        </p:nvPicPr>
+        <p:blipFill>
+          <a:blip r:embed="rId3">
+            <a:extLst>
+              <a:ext uri="{28A0092B-C50C-407E-A947-70E740481C1C}">
+                <a14:useLocalDpi xmlns:a14="http://schemas.microsoft.com/office/drawing/2010/main" val="0"/>
+              </a:ext>
+            </a:extLst>
+          </a:blip>
+          <a:srcRect/>
+          <a:stretch>
+            <a:fillRect/>
+          </a:stretch>
+        </p:blipFill>
+        <p:spPr bwMode="auto">
+          <a:xfrm>
+            <a:off x="1583146" y="1370708"/>
+            <a:ext cx="1169292" cy="1169292"/>
+          </a:xfrm>
+          <a:prstGeom prst="rect">
+            <a:avLst/>
+          </a:prstGeom>
+          <a:noFill/>
+          <a:extLst>
+            <a:ext uri="{909E8E84-426E-40DD-AFC4-6F175D3DCCD1}">
+              <a14:hiddenFill xmlns:a14="http://schemas.microsoft.com/office/drawing/2010/main">
+                <a:solidFill>
+                  <a:srgbClr val="FFFFFF"/>
+                </a:solidFill>
+              </a14:hiddenFill>
+            </a:ext>
+          </a:extLst>
+        </p:spPr>
+      </p:pic>
+      <p:sp>
+        <p:nvSpPr>
+          <p:cNvPr id="2" name="화살표: 오른쪽 1">
+            <a:extLst>
+              <a:ext uri="{FF2B5EF4-FFF2-40B4-BE49-F238E27FC236}">
+                <a16:creationId xmlns:a16="http://schemas.microsoft.com/office/drawing/2014/main" id="{2EC5A996-AC70-3D47-EE45-D25541EF08DB}"/>
+              </a:ext>
+            </a:extLst>
+          </p:cNvPr>
+          <p:cNvSpPr/>
+          <p:nvPr/>
+        </p:nvSpPr>
+        <p:spPr>
+          <a:xfrm>
+            <a:off x="3629891" y="3020290"/>
+            <a:ext cx="1025236" cy="637309"/>
+          </a:xfrm>
+          <a:prstGeom prst="rightArrow">
+            <a:avLst/>
+          </a:prstGeom>
+        </p:spPr>
+        <p:style>
+          <a:lnRef idx="2">
+            <a:schemeClr val="accent1">
+              <a:shade val="50000"/>
+            </a:schemeClr>
+          </a:lnRef>
+          <a:fillRef idx="1">
+            <a:schemeClr val="accent1"/>
+          </a:fillRef>
+          <a:effectRef idx="0">
+            <a:schemeClr val="accent1"/>
+          </a:effectRef>
+          <a:fontRef idx="minor">
+            <a:schemeClr val="lt1"/>
+          </a:fontRef>
+        </p:style>
+        <p:txBody>
+          <a:bodyPr rtlCol="0" anchor="ctr"/>
+          <a:lstStyle/>
+          <a:p>
+            <a:pPr algn="ctr"/>
+            <a:r>
+              <a:rPr lang="en-US" altLang="ko-KR" dirty="0"/>
+              <a:t>yes</a:t>
+            </a:r>
+            <a:endParaRPr lang="ko-KR" altLang="en-US" dirty="0"/>
+          </a:p>
+        </p:txBody>
+      </p:sp>
+      <p:pic>
+        <p:nvPicPr>
+          <p:cNvPr id="1026" name="Picture 2" descr="World wide web - Free web icons">
+            <a:extLst>
+              <a:ext uri="{FF2B5EF4-FFF2-40B4-BE49-F238E27FC236}">
+                <a16:creationId xmlns:a16="http://schemas.microsoft.com/office/drawing/2014/main" id="{3F44AB49-6139-4FF4-D25D-CAABD1D018B4}"/>
+              </a:ext>
+            </a:extLst>
+          </p:cNvPr>
+          <p:cNvPicPr>
+            <a:picLocks noChangeAspect="1" noChangeArrowheads="1"/>
+          </p:cNvPicPr>
+          <p:nvPr/>
+        </p:nvPicPr>
+        <p:blipFill>
+          <a:blip r:embed="rId4">
+            <a:extLst>
+              <a:ext uri="{28A0092B-C50C-407E-A947-70E740481C1C}">
+                <a14:useLocalDpi xmlns:a14="http://schemas.microsoft.com/office/drawing/2010/main" val="0"/>
+              </a:ext>
+            </a:extLst>
+          </a:blip>
+          <a:srcRect/>
+          <a:stretch>
+            <a:fillRect/>
+          </a:stretch>
+        </p:blipFill>
+        <p:spPr bwMode="auto">
+          <a:xfrm>
+            <a:off x="4894381" y="1349858"/>
+            <a:ext cx="1169292" cy="1169292"/>
+          </a:xfrm>
+          <a:prstGeom prst="rect">
+            <a:avLst/>
+          </a:prstGeom>
+          <a:noFill/>
+          <a:extLst>
+            <a:ext uri="{909E8E84-426E-40DD-AFC4-6F175D3DCCD1}">
+              <a14:hiddenFill xmlns:a14="http://schemas.microsoft.com/office/drawing/2010/main">
+                <a:solidFill>
+                  <a:srgbClr val="FFFFFF"/>
+                </a:solidFill>
+              </a14:hiddenFill>
+            </a:ext>
+          </a:extLst>
+        </p:spPr>
+      </p:pic>
+      <p:pic>
+        <p:nvPicPr>
+          <p:cNvPr id="11" name="그림 10">
+            <a:extLst>
+              <a:ext uri="{FF2B5EF4-FFF2-40B4-BE49-F238E27FC236}">
+                <a16:creationId xmlns:a16="http://schemas.microsoft.com/office/drawing/2014/main" id="{2467EE2E-EE04-9CB3-0FD7-1C3DAE59C16C}"/>
+              </a:ext>
+            </a:extLst>
+          </p:cNvPr>
+          <p:cNvPicPr>
+            <a:picLocks noChangeAspect="1"/>
+          </p:cNvPicPr>
+          <p:nvPr/>
+        </p:nvPicPr>
+        <p:blipFill>
+          <a:blip r:embed="rId5"/>
+          <a:stretch>
+            <a:fillRect/>
+          </a:stretch>
+        </p:blipFill>
+        <p:spPr>
+          <a:xfrm>
+            <a:off x="7906325" y="2719251"/>
+            <a:ext cx="3038764" cy="1544200"/>
+          </a:xfrm>
+          <a:prstGeom prst="rect">
+            <a:avLst/>
+          </a:prstGeom>
+          <a:ln>
+            <a:noFill/>
+          </a:ln>
+          <a:effectLst>
+            <a:outerShdw blurRad="292100" dist="139700" dir="2700000" algn="tl" rotWithShape="0">
+              <a:srgbClr val="333333">
+                <a:alpha val="65000"/>
+              </a:srgbClr>
+            </a:outerShdw>
+          </a:effectLst>
+        </p:spPr>
+      </p:pic>
+      <p:sp>
+        <p:nvSpPr>
+          <p:cNvPr id="12" name="사각형: 둥근 모서리 11">
+            <a:extLst>
+              <a:ext uri="{FF2B5EF4-FFF2-40B4-BE49-F238E27FC236}">
+                <a16:creationId xmlns:a16="http://schemas.microsoft.com/office/drawing/2014/main" id="{CBDC9316-4452-8B1A-60A9-A2BEAD16FFA1}"/>
+              </a:ext>
+            </a:extLst>
+          </p:cNvPr>
+          <p:cNvSpPr/>
+          <p:nvPr/>
+        </p:nvSpPr>
+        <p:spPr>
+          <a:xfrm>
+            <a:off x="4359564" y="4652347"/>
+            <a:ext cx="6862618" cy="2004291"/>
+          </a:xfrm>
+          <a:prstGeom prst="roundRect">
+            <a:avLst/>
+          </a:prstGeom>
+          <a:solidFill>
+            <a:schemeClr val="tx1">
+              <a:lumMod val="75000"/>
+              <a:lumOff val="25000"/>
+              <a:alpha val="50000"/>
+            </a:schemeClr>
+          </a:solidFill>
+          <a:ln w="31750">
+            <a:solidFill>
+              <a:schemeClr val="tx1">
+                <a:alpha val="40000"/>
+              </a:schemeClr>
+            </a:solidFill>
+          </a:ln>
+        </p:spPr>
+        <p:style>
+          <a:lnRef idx="2">
+            <a:schemeClr val="accent1">
+              <a:shade val="50000"/>
+            </a:schemeClr>
+          </a:lnRef>
+          <a:fillRef idx="1">
+            <a:schemeClr val="accent1"/>
+          </a:fillRef>
+          <a:effectRef idx="0">
+            <a:schemeClr val="accent1"/>
+          </a:effectRef>
+          <a:fontRef idx="minor">
+            <a:schemeClr val="lt1"/>
+          </a:fontRef>
+        </p:style>
+        <p:txBody>
+          <a:bodyPr rtlCol="0" anchor="t"/>
+          <a:lstStyle/>
+          <a:p>
+            <a:r>
+              <a:rPr lang="en-US" altLang="ko-KR" b="1" spc="600" dirty="0">
+                <a:solidFill>
+                  <a:schemeClr val="tx1"/>
+                </a:solidFill>
+              </a:rPr>
+              <a:t>[front : </a:t>
+            </a:r>
+            <a:r>
+              <a:rPr lang="ko-KR" altLang="en-US" b="1" spc="600" dirty="0">
+                <a:solidFill>
+                  <a:schemeClr val="tx1"/>
+                </a:solidFill>
+              </a:rPr>
+              <a:t>부재에 대한 </a:t>
+            </a:r>
+            <a:r>
+              <a:rPr lang="en-US" altLang="ko-KR" b="1" spc="600" dirty="0">
+                <a:solidFill>
+                  <a:schemeClr val="tx1"/>
+                </a:solidFill>
+              </a:rPr>
+              <a:t>UI </a:t>
+            </a:r>
+            <a:r>
+              <a:rPr lang="ko-KR" altLang="en-US" b="1" spc="600" dirty="0">
+                <a:solidFill>
+                  <a:schemeClr val="tx1"/>
+                </a:solidFill>
+              </a:rPr>
+              <a:t>제공</a:t>
+            </a:r>
+            <a:r>
+              <a:rPr lang="en-US" altLang="ko-KR" b="1" spc="600" dirty="0">
+                <a:solidFill>
+                  <a:schemeClr val="tx1"/>
+                </a:solidFill>
+              </a:rPr>
+              <a:t>]</a:t>
+            </a:r>
+          </a:p>
+          <a:p>
+            <a:endParaRPr lang="ko-KR" altLang="en-US" b="1" spc="600" dirty="0">
+              <a:solidFill>
+                <a:schemeClr val="tx1"/>
+              </a:solidFill>
+            </a:endParaRPr>
+          </a:p>
+        </p:txBody>
+      </p:sp>
+      <p:sp>
+        <p:nvSpPr>
+          <p:cNvPr id="14" name="화살표: 오른쪽 13">
+            <a:extLst>
+              <a:ext uri="{FF2B5EF4-FFF2-40B4-BE49-F238E27FC236}">
+                <a16:creationId xmlns:a16="http://schemas.microsoft.com/office/drawing/2014/main" id="{83867FC1-D178-CFC1-067C-8237A761AA2E}"/>
+              </a:ext>
+            </a:extLst>
+          </p:cNvPr>
+          <p:cNvSpPr/>
+          <p:nvPr/>
+        </p:nvSpPr>
+        <p:spPr>
+          <a:xfrm>
+            <a:off x="3639128" y="5394927"/>
+            <a:ext cx="1025236" cy="637309"/>
+          </a:xfrm>
+          <a:prstGeom prst="rightArrow">
+            <a:avLst/>
+          </a:prstGeom>
+        </p:spPr>
+        <p:style>
+          <a:lnRef idx="2">
+            <a:schemeClr val="accent1">
+              <a:shade val="50000"/>
+            </a:schemeClr>
+          </a:lnRef>
+          <a:fillRef idx="1">
+            <a:schemeClr val="accent1"/>
+          </a:fillRef>
+          <a:effectRef idx="0">
+            <a:schemeClr val="accent1"/>
+          </a:effectRef>
+          <a:fontRef idx="minor">
+            <a:schemeClr val="lt1"/>
+          </a:fontRef>
+        </p:style>
+        <p:txBody>
+          <a:bodyPr rtlCol="0" anchor="ctr"/>
+          <a:lstStyle/>
+          <a:p>
+            <a:pPr algn="ctr"/>
+            <a:r>
+              <a:rPr lang="en-US" altLang="ko-KR" dirty="0"/>
+              <a:t>no</a:t>
+            </a:r>
+            <a:endParaRPr lang="ko-KR" altLang="en-US" dirty="0"/>
+          </a:p>
+        </p:txBody>
+      </p:sp>
+      <p:pic>
+        <p:nvPicPr>
+          <p:cNvPr id="16" name="그림 15">
+            <a:extLst>
+              <a:ext uri="{FF2B5EF4-FFF2-40B4-BE49-F238E27FC236}">
+                <a16:creationId xmlns:a16="http://schemas.microsoft.com/office/drawing/2014/main" id="{EC14F44C-AC4A-628D-E993-574F31ACB309}"/>
+              </a:ext>
+            </a:extLst>
+          </p:cNvPr>
+          <p:cNvPicPr>
+            <a:picLocks noChangeAspect="1"/>
+          </p:cNvPicPr>
+          <p:nvPr/>
+        </p:nvPicPr>
+        <p:blipFill>
+          <a:blip r:embed="rId6"/>
+          <a:stretch>
+            <a:fillRect/>
+          </a:stretch>
+        </p:blipFill>
+        <p:spPr>
+          <a:xfrm>
+            <a:off x="4894381" y="5163282"/>
+            <a:ext cx="1782617" cy="1390304"/>
+          </a:xfrm>
+          <a:prstGeom prst="rect">
+            <a:avLst/>
+          </a:prstGeom>
+        </p:spPr>
+      </p:pic>
+    </p:spTree>
+    <p:extLst>
+      <p:ext uri="{BB962C8B-B14F-4D97-AF65-F5344CB8AC3E}">
+        <p14:creationId xmlns:p14="http://schemas.microsoft.com/office/powerpoint/2010/main" val="3107908501"/>
       </p:ext>
     </p:extLst>
   </p:cSld>
